--- a/Esercitazioni Tutorato 2018/Esercitazione 1/Esercitazione1.pptx
+++ b/Esercitazioni Tutorato 2018/Esercitazione 1/Esercitazione1.pptx
@@ -155,6 +155,9 @@
     <p:ext uri="{EFAFB233-063F-42B5-8137-9DF3F51BA10A}">
       <p15:sldGuideLst xmlns:p15="http://schemas.microsoft.com/office/powerpoint/2012/main"/>
     </p:ext>
+    <p:ext uri="{2D200454-40CA-4A62-9FC3-DE9A4176ACB9}">
+      <p15:notesGuideLst xmlns:p15="http://schemas.microsoft.com/office/powerpoint/2012/main"/>
+    </p:ext>
   </p:extLst>
 </p:presentation>
 </file>
@@ -241,7 +244,7 @@
           <a:p>
             <a:fld id="{1F6620C0-F396-4F4F-8F4A-478935E55384}" type="datetimeFigureOut">
               <a:rPr lang="en-US" smtClean="0"/>
-              <a:t>2/22/2018</a:t>
+              <a:t>2/27/2018</a:t>
             </a:fld>
             <a:endParaRPr lang="en-US"/>
           </a:p>
@@ -307,7 +310,7 @@
           <a:p>
             <a:fld id="{3AC38C58-3B7C-4ED0-915B-7765AA99EDC3}" type="slidenum">
               <a:rPr lang="en-US" smtClean="0"/>
-              <a:t>‹#›</a:t>
+              <a:t>‹N›</a:t>
             </a:fld>
             <a:endParaRPr lang="en-US"/>
           </a:p>
@@ -406,7 +409,7 @@
           <a:p>
             <a:fld id="{12DF4B89-5364-4EC8-95F2-A48670273C58}" type="datetimeFigureOut">
               <a:rPr lang="en-US" smtClean="0"/>
-              <a:t>2/22/2018</a:t>
+              <a:t>2/27/2018</a:t>
             </a:fld>
             <a:endParaRPr lang="en-US"/>
           </a:p>
@@ -565,7 +568,7 @@
           <a:p>
             <a:fld id="{34EB8D8D-4E89-4349-B28B-04EFE4CD4A79}" type="slidenum">
               <a:rPr lang="en-US" smtClean="0"/>
-              <a:t>‹#›</a:t>
+              <a:t>‹N›</a:t>
             </a:fld>
             <a:endParaRPr lang="en-US"/>
           </a:p>
@@ -1037,7 +1040,7 @@
           <a:p>
             <a:fld id="{45611BB0-31EF-4520-B123-15D2DB479E08}" type="datetimeFigureOut">
               <a:rPr lang="en-US" smtClean="0"/>
-              <a:t>2/22/2018</a:t>
+              <a:t>2/27/2018</a:t>
             </a:fld>
             <a:endParaRPr lang="en-US"/>
           </a:p>
@@ -1089,7 +1092,7 @@
           <a:p>
             <a:fld id="{81092551-4C2B-48F6-AD09-3AC1DE0B40C6}" type="slidenum">
               <a:rPr lang="en-US" smtClean="0"/>
-              <a:t>‹#›</a:t>
+              <a:t>‹N›</a:t>
             </a:fld>
             <a:endParaRPr lang="en-US"/>
           </a:p>
@@ -1775,7 +1778,7 @@
           <a:p>
             <a:fld id="{45611BB0-31EF-4520-B123-15D2DB479E08}" type="datetimeFigureOut">
               <a:rPr lang="en-US" smtClean="0"/>
-              <a:t>2/22/2018</a:t>
+              <a:t>2/27/2018</a:t>
             </a:fld>
             <a:endParaRPr lang="en-US"/>
           </a:p>
@@ -1822,7 +1825,7 @@
           <a:p>
             <a:fld id="{81092551-4C2B-48F6-AD09-3AC1DE0B40C6}" type="slidenum">
               <a:rPr lang="en-US" smtClean="0"/>
-              <a:t>‹#›</a:t>
+              <a:t>‹N›</a:t>
             </a:fld>
             <a:endParaRPr lang="en-US"/>
           </a:p>
@@ -2124,7 +2127,7 @@
           <a:p>
             <a:fld id="{45611BB0-31EF-4520-B123-15D2DB479E08}" type="datetimeFigureOut">
               <a:rPr lang="en-US" smtClean="0"/>
-              <a:t>2/22/2018</a:t>
+              <a:t>2/27/2018</a:t>
             </a:fld>
             <a:endParaRPr lang="en-US"/>
           </a:p>
@@ -2171,7 +2174,7 @@
           <a:p>
             <a:fld id="{81092551-4C2B-48F6-AD09-3AC1DE0B40C6}" type="slidenum">
               <a:rPr lang="en-US" smtClean="0"/>
-              <a:t>‹#›</a:t>
+              <a:t>‹N›</a:t>
             </a:fld>
             <a:endParaRPr lang="en-US"/>
           </a:p>
@@ -2542,7 +2545,7 @@
           <a:p>
             <a:fld id="{45611BB0-31EF-4520-B123-15D2DB479E08}" type="datetimeFigureOut">
               <a:rPr lang="en-US" smtClean="0"/>
-              <a:t>2/22/2018</a:t>
+              <a:t>2/27/2018</a:t>
             </a:fld>
             <a:endParaRPr lang="en-US"/>
           </a:p>
@@ -2589,7 +2592,7 @@
           <a:p>
             <a:fld id="{81092551-4C2B-48F6-AD09-3AC1DE0B40C6}" type="slidenum">
               <a:rPr lang="en-US" smtClean="0"/>
-              <a:t>‹#›</a:t>
+              <a:t>‹N›</a:t>
             </a:fld>
             <a:endParaRPr lang="en-US"/>
           </a:p>
@@ -3123,7 +3126,7 @@
           <a:p>
             <a:fld id="{45611BB0-31EF-4520-B123-15D2DB479E08}" type="datetimeFigureOut">
               <a:rPr lang="en-US" smtClean="0"/>
-              <a:t>2/22/2018</a:t>
+              <a:t>2/27/2018</a:t>
             </a:fld>
             <a:endParaRPr lang="en-US"/>
           </a:p>
@@ -3170,7 +3173,7 @@
           <a:p>
             <a:fld id="{81092551-4C2B-48F6-AD09-3AC1DE0B40C6}" type="slidenum">
               <a:rPr lang="en-US" smtClean="0"/>
-              <a:t>‹#›</a:t>
+              <a:t>‹N›</a:t>
             </a:fld>
             <a:endParaRPr lang="en-US"/>
           </a:p>
@@ -3817,7 +3820,7 @@
           <a:p>
             <a:fld id="{45611BB0-31EF-4520-B123-15D2DB479E08}" type="datetimeFigureOut">
               <a:rPr lang="en-US" smtClean="0"/>
-              <a:t>2/22/2018</a:t>
+              <a:t>2/27/2018</a:t>
             </a:fld>
             <a:endParaRPr lang="en-US"/>
           </a:p>
@@ -3859,7 +3862,7 @@
           <a:p>
             <a:fld id="{81092551-4C2B-48F6-AD09-3AC1DE0B40C6}" type="slidenum">
               <a:rPr lang="en-US" smtClean="0"/>
-              <a:t>‹#›</a:t>
+              <a:t>‹N›</a:t>
             </a:fld>
             <a:endParaRPr lang="en-US"/>
           </a:p>
@@ -4743,7 +4746,7 @@
           <a:p>
             <a:fld id="{45611BB0-31EF-4520-B123-15D2DB479E08}" type="datetimeFigureOut">
               <a:rPr lang="en-US" smtClean="0"/>
-              <a:t>2/22/2018</a:t>
+              <a:t>2/27/2018</a:t>
             </a:fld>
             <a:endParaRPr lang="en-US"/>
           </a:p>
@@ -4785,7 +4788,7 @@
           <a:p>
             <a:fld id="{81092551-4C2B-48F6-AD09-3AC1DE0B40C6}" type="slidenum">
               <a:rPr lang="en-US" smtClean="0"/>
-              <a:t>‹#›</a:t>
+              <a:t>‹N›</a:t>
             </a:fld>
             <a:endParaRPr lang="en-US"/>
           </a:p>
@@ -5074,7 +5077,7 @@
           <a:p>
             <a:fld id="{45611BB0-31EF-4520-B123-15D2DB479E08}" type="datetimeFigureOut">
               <a:rPr lang="en-US" smtClean="0"/>
-              <a:t>2/22/2018</a:t>
+              <a:t>2/27/2018</a:t>
             </a:fld>
             <a:endParaRPr lang="en-US"/>
           </a:p>
@@ -5116,7 +5119,7 @@
           <a:p>
             <a:fld id="{81092551-4C2B-48F6-AD09-3AC1DE0B40C6}" type="slidenum">
               <a:rPr lang="en-US" smtClean="0"/>
-              <a:t>‹#›</a:t>
+              <a:t>‹N›</a:t>
             </a:fld>
             <a:endParaRPr lang="en-US"/>
           </a:p>
@@ -5353,7 +5356,7 @@
           <a:p>
             <a:fld id="{45611BB0-31EF-4520-B123-15D2DB479E08}" type="datetimeFigureOut">
               <a:rPr lang="en-US" smtClean="0"/>
-              <a:t>2/22/2018</a:t>
+              <a:t>2/27/2018</a:t>
             </a:fld>
             <a:endParaRPr lang="en-US"/>
           </a:p>
@@ -5409,7 +5412,7 @@
           <a:p>
             <a:fld id="{81092551-4C2B-48F6-AD09-3AC1DE0B40C6}" type="slidenum">
               <a:rPr lang="en-US" smtClean="0"/>
-              <a:t>‹#›</a:t>
+              <a:t>‹N›</a:t>
             </a:fld>
             <a:endParaRPr lang="en-US"/>
           </a:p>
@@ -5712,7 +5715,7 @@
           <a:p>
             <a:fld id="{45611BB0-31EF-4520-B123-15D2DB479E08}" type="datetimeFigureOut">
               <a:rPr lang="en-US" smtClean="0"/>
-              <a:t>2/22/2018</a:t>
+              <a:t>2/27/2018</a:t>
             </a:fld>
             <a:endParaRPr lang="en-US"/>
           </a:p>
@@ -5764,7 +5767,7 @@
           <a:p>
             <a:fld id="{81092551-4C2B-48F6-AD09-3AC1DE0B40C6}" type="slidenum">
               <a:rPr lang="en-US" smtClean="0"/>
-              <a:t>‹#›</a:t>
+              <a:t>‹N›</a:t>
             </a:fld>
             <a:endParaRPr lang="en-US"/>
           </a:p>
@@ -6350,7 +6353,7 @@
           <a:p>
             <a:fld id="{45611BB0-31EF-4520-B123-15D2DB479E08}" type="datetimeFigureOut">
               <a:rPr lang="en-US" smtClean="0"/>
-              <a:t>2/22/2018</a:t>
+              <a:t>2/27/2018</a:t>
             </a:fld>
             <a:endParaRPr lang="en-US"/>
           </a:p>
@@ -6392,7 +6395,7 @@
           <a:p>
             <a:fld id="{81092551-4C2B-48F6-AD09-3AC1DE0B40C6}" type="slidenum">
               <a:rPr lang="en-US" smtClean="0"/>
-              <a:t>‹#›</a:t>
+              <a:t>‹N›</a:t>
             </a:fld>
             <a:endParaRPr lang="en-US"/>
           </a:p>
@@ -6672,7 +6675,7 @@
           <a:p>
             <a:fld id="{45611BB0-31EF-4520-B123-15D2DB479E08}" type="datetimeFigureOut">
               <a:rPr lang="en-US" smtClean="0"/>
-              <a:t>2/22/2018</a:t>
+              <a:t>2/27/2018</a:t>
             </a:fld>
             <a:endParaRPr lang="en-US"/>
           </a:p>
@@ -6714,7 +6717,7 @@
           <a:p>
             <a:fld id="{81092551-4C2B-48F6-AD09-3AC1DE0B40C6}" type="slidenum">
               <a:rPr lang="en-US" smtClean="0"/>
-              <a:t>‹#›</a:t>
+              <a:t>‹N›</a:t>
             </a:fld>
             <a:endParaRPr lang="en-US"/>
           </a:p>
@@ -7079,7 +7082,7 @@
           <a:p>
             <a:fld id="{45611BB0-31EF-4520-B123-15D2DB479E08}" type="datetimeFigureOut">
               <a:rPr lang="en-US" smtClean="0"/>
-              <a:t>2/22/2018</a:t>
+              <a:t>2/27/2018</a:t>
             </a:fld>
             <a:endParaRPr lang="en-US"/>
           </a:p>
@@ -7131,7 +7134,7 @@
           <a:p>
             <a:fld id="{81092551-4C2B-48F6-AD09-3AC1DE0B40C6}" type="slidenum">
               <a:rPr lang="en-US" smtClean="0"/>
-              <a:t>‹#›</a:t>
+              <a:t>‹N›</a:t>
             </a:fld>
             <a:endParaRPr lang="en-US"/>
           </a:p>
@@ -7478,7 +7481,7 @@
           <a:p>
             <a:fld id="{45611BB0-31EF-4520-B123-15D2DB479E08}" type="datetimeFigureOut">
               <a:rPr lang="en-US" smtClean="0"/>
-              <a:t>2/22/2018</a:t>
+              <a:t>2/27/2018</a:t>
             </a:fld>
             <a:endParaRPr lang="en-US"/>
           </a:p>
@@ -7520,7 +7523,7 @@
           <a:p>
             <a:fld id="{81092551-4C2B-48F6-AD09-3AC1DE0B40C6}" type="slidenum">
               <a:rPr lang="en-US" smtClean="0"/>
-              <a:t>‹#›</a:t>
+              <a:t>‹N›</a:t>
             </a:fld>
             <a:endParaRPr lang="en-US"/>
           </a:p>
@@ -8002,7 +8005,7 @@
           <a:p>
             <a:fld id="{45611BB0-31EF-4520-B123-15D2DB479E08}" type="datetimeFigureOut">
               <a:rPr lang="en-US" smtClean="0"/>
-              <a:t>2/22/2018</a:t>
+              <a:t>2/27/2018</a:t>
             </a:fld>
             <a:endParaRPr lang="en-US"/>
           </a:p>
@@ -8044,7 +8047,7 @@
           <a:p>
             <a:fld id="{81092551-4C2B-48F6-AD09-3AC1DE0B40C6}" type="slidenum">
               <a:rPr lang="en-US" smtClean="0"/>
-              <a:t>‹#›</a:t>
+              <a:t>‹N›</a:t>
             </a:fld>
             <a:endParaRPr lang="en-US"/>
           </a:p>
@@ -8277,7 +8280,7 @@
           <a:p>
             <a:fld id="{45611BB0-31EF-4520-B123-15D2DB479E08}" type="datetimeFigureOut">
               <a:rPr lang="en-US" smtClean="0"/>
-              <a:t>2/22/2018</a:t>
+              <a:t>2/27/2018</a:t>
             </a:fld>
             <a:endParaRPr lang="en-US"/>
           </a:p>
@@ -8319,7 +8322,7 @@
           <a:p>
             <a:fld id="{81092551-4C2B-48F6-AD09-3AC1DE0B40C6}" type="slidenum">
               <a:rPr lang="en-US" smtClean="0"/>
-              <a:t>‹#›</a:t>
+              <a:t>‹N›</a:t>
             </a:fld>
             <a:endParaRPr lang="en-US"/>
           </a:p>
@@ -8439,7 +8442,7 @@
           <a:p>
             <a:fld id="{45611BB0-31EF-4520-B123-15D2DB479E08}" type="datetimeFigureOut">
               <a:rPr lang="en-US" smtClean="0"/>
-              <a:t>2/22/2018</a:t>
+              <a:t>2/27/2018</a:t>
             </a:fld>
             <a:endParaRPr lang="en-US"/>
           </a:p>
@@ -8481,7 +8484,7 @@
           <a:p>
             <a:fld id="{81092551-4C2B-48F6-AD09-3AC1DE0B40C6}" type="slidenum">
               <a:rPr lang="en-US" smtClean="0"/>
-              <a:t>‹#›</a:t>
+              <a:t>‹N›</a:t>
             </a:fld>
             <a:endParaRPr lang="en-US"/>
           </a:p>
@@ -8847,7 +8850,7 @@
           <a:p>
             <a:fld id="{45611BB0-31EF-4520-B123-15D2DB479E08}" type="datetimeFigureOut">
               <a:rPr lang="en-US" smtClean="0"/>
-              <a:t>2/22/2018</a:t>
+              <a:t>2/27/2018</a:t>
             </a:fld>
             <a:endParaRPr lang="en-US"/>
           </a:p>
@@ -8889,7 +8892,7 @@
           <a:p>
             <a:fld id="{81092551-4C2B-48F6-AD09-3AC1DE0B40C6}" type="slidenum">
               <a:rPr lang="en-US" smtClean="0"/>
-              <a:t>‹#›</a:t>
+              <a:t>‹N›</a:t>
             </a:fld>
             <a:endParaRPr lang="en-US"/>
           </a:p>
@@ -9274,7 +9277,7 @@
           <a:p>
             <a:fld id="{45611BB0-31EF-4520-B123-15D2DB479E08}" type="datetimeFigureOut">
               <a:rPr lang="en-US" smtClean="0"/>
-              <a:t>2/22/2018</a:t>
+              <a:t>2/27/2018</a:t>
             </a:fld>
             <a:endParaRPr lang="en-US"/>
           </a:p>
@@ -9316,7 +9319,7 @@
           <a:p>
             <a:fld id="{81092551-4C2B-48F6-AD09-3AC1DE0B40C6}" type="slidenum">
               <a:rPr lang="en-US" smtClean="0"/>
-              <a:t>‹#›</a:t>
+              <a:t>‹N›</a:t>
             </a:fld>
             <a:endParaRPr lang="en-US"/>
           </a:p>
@@ -9696,7 +9699,7 @@
           <a:p>
             <a:fld id="{45611BB0-31EF-4520-B123-15D2DB479E08}" type="datetimeFigureOut">
               <a:rPr lang="en-US" smtClean="0"/>
-              <a:t>2/22/2018</a:t>
+              <a:t>2/27/2018</a:t>
             </a:fld>
             <a:endParaRPr lang="en-US"/>
           </a:p>
@@ -9743,7 +9746,7 @@
           <a:p>
             <a:fld id="{81092551-4C2B-48F6-AD09-3AC1DE0B40C6}" type="slidenum">
               <a:rPr lang="en-US" smtClean="0"/>
-              <a:t>‹#›</a:t>
+              <a:t>‹N›</a:t>
             </a:fld>
             <a:endParaRPr lang="en-US"/>
           </a:p>
@@ -10045,7 +10048,7 @@
           <a:p>
             <a:fld id="{45611BB0-31EF-4520-B123-15D2DB479E08}" type="datetimeFigureOut">
               <a:rPr lang="en-US" smtClean="0"/>
-              <a:t>2/22/2018</a:t>
+              <a:t>2/27/2018</a:t>
             </a:fld>
             <a:endParaRPr lang="en-US"/>
           </a:p>
@@ -10092,7 +10095,7 @@
           <a:p>
             <a:fld id="{81092551-4C2B-48F6-AD09-3AC1DE0B40C6}" type="slidenum">
               <a:rPr lang="en-US" smtClean="0"/>
-              <a:t>‹#›</a:t>
+              <a:t>‹N›</a:t>
             </a:fld>
             <a:endParaRPr lang="en-US"/>
           </a:p>
@@ -10463,7 +10466,7 @@
           <a:p>
             <a:fld id="{45611BB0-31EF-4520-B123-15D2DB479E08}" type="datetimeFigureOut">
               <a:rPr lang="en-US" smtClean="0"/>
-              <a:t>2/22/2018</a:t>
+              <a:t>2/27/2018</a:t>
             </a:fld>
             <a:endParaRPr lang="en-US"/>
           </a:p>
@@ -10510,7 +10513,7 @@
           <a:p>
             <a:fld id="{81092551-4C2B-48F6-AD09-3AC1DE0B40C6}" type="slidenum">
               <a:rPr lang="en-US" smtClean="0"/>
-              <a:t>‹#›</a:t>
+              <a:t>‹N›</a:t>
             </a:fld>
             <a:endParaRPr lang="en-US"/>
           </a:p>
@@ -11107,7 +11110,7 @@
           <a:p>
             <a:fld id="{45611BB0-31EF-4520-B123-15D2DB479E08}" type="datetimeFigureOut">
               <a:rPr lang="en-US" smtClean="0"/>
-              <a:t>2/22/2018</a:t>
+              <a:t>2/27/2018</a:t>
             </a:fld>
             <a:endParaRPr lang="en-US"/>
           </a:p>
@@ -11159,7 +11162,7 @@
           <a:p>
             <a:fld id="{81092551-4C2B-48F6-AD09-3AC1DE0B40C6}" type="slidenum">
               <a:rPr lang="en-US" smtClean="0"/>
-              <a:t>‹#›</a:t>
+              <a:t>‹N›</a:t>
             </a:fld>
             <a:endParaRPr lang="en-US"/>
           </a:p>
@@ -11461,7 +11464,7 @@
           <a:p>
             <a:fld id="{45611BB0-31EF-4520-B123-15D2DB479E08}" type="datetimeFigureOut">
               <a:rPr lang="en-US" smtClean="0"/>
-              <a:t>2/22/2018</a:t>
+              <a:t>2/27/2018</a:t>
             </a:fld>
             <a:endParaRPr lang="en-US"/>
           </a:p>
@@ -11508,7 +11511,7 @@
           <a:p>
             <a:fld id="{81092551-4C2B-48F6-AD09-3AC1DE0B40C6}" type="slidenum">
               <a:rPr lang="en-US" smtClean="0"/>
-              <a:t>‹#›</a:t>
+              <a:t>‹N›</a:t>
             </a:fld>
             <a:endParaRPr lang="en-US"/>
           </a:p>
@@ -12155,7 +12158,7 @@
           <a:p>
             <a:fld id="{45611BB0-31EF-4520-B123-15D2DB479E08}" type="datetimeFigureOut">
               <a:rPr lang="en-US" smtClean="0"/>
-              <a:t>2/22/2018</a:t>
+              <a:t>2/27/2018</a:t>
             </a:fld>
             <a:endParaRPr lang="en-US"/>
           </a:p>
@@ -12197,7 +12200,7 @@
           <a:p>
             <a:fld id="{81092551-4C2B-48F6-AD09-3AC1DE0B40C6}" type="slidenum">
               <a:rPr lang="en-US" smtClean="0"/>
-              <a:t>‹#›</a:t>
+              <a:t>‹N›</a:t>
             </a:fld>
             <a:endParaRPr lang="en-US"/>
           </a:p>
@@ -13081,7 +13084,7 @@
           <a:p>
             <a:fld id="{45611BB0-31EF-4520-B123-15D2DB479E08}" type="datetimeFigureOut">
               <a:rPr lang="en-US" smtClean="0"/>
-              <a:t>2/22/2018</a:t>
+              <a:t>2/27/2018</a:t>
             </a:fld>
             <a:endParaRPr lang="en-US"/>
           </a:p>
@@ -13123,7 +13126,7 @@
           <a:p>
             <a:fld id="{81092551-4C2B-48F6-AD09-3AC1DE0B40C6}" type="slidenum">
               <a:rPr lang="en-US" smtClean="0"/>
-              <a:t>‹#›</a:t>
+              <a:t>‹N›</a:t>
             </a:fld>
             <a:endParaRPr lang="en-US"/>
           </a:p>
@@ -13412,7 +13415,7 @@
           <a:p>
             <a:fld id="{45611BB0-31EF-4520-B123-15D2DB479E08}" type="datetimeFigureOut">
               <a:rPr lang="en-US" smtClean="0"/>
-              <a:t>2/22/2018</a:t>
+              <a:t>2/27/2018</a:t>
             </a:fld>
             <a:endParaRPr lang="en-US"/>
           </a:p>
@@ -13454,7 +13457,7 @@
           <a:p>
             <a:fld id="{81092551-4C2B-48F6-AD09-3AC1DE0B40C6}" type="slidenum">
               <a:rPr lang="en-US" smtClean="0"/>
-              <a:t>‹#›</a:t>
+              <a:t>‹N›</a:t>
             </a:fld>
             <a:endParaRPr lang="en-US"/>
           </a:p>
@@ -13691,7 +13694,7 @@
           <a:p>
             <a:fld id="{45611BB0-31EF-4520-B123-15D2DB479E08}" type="datetimeFigureOut">
               <a:rPr lang="en-US" smtClean="0"/>
-              <a:t>2/22/2018</a:t>
+              <a:t>2/27/2018</a:t>
             </a:fld>
             <a:endParaRPr lang="en-US"/>
           </a:p>
@@ -13747,7 +13750,7 @@
           <a:p>
             <a:fld id="{81092551-4C2B-48F6-AD09-3AC1DE0B40C6}" type="slidenum">
               <a:rPr lang="en-US" smtClean="0"/>
-              <a:t>‹#›</a:t>
+              <a:t>‹N›</a:t>
             </a:fld>
             <a:endParaRPr lang="en-US"/>
           </a:p>
@@ -14099,7 +14102,7 @@
           <a:p>
             <a:fld id="{45611BB0-31EF-4520-B123-15D2DB479E08}" type="datetimeFigureOut">
               <a:rPr lang="en-US" smtClean="0"/>
-              <a:t>2/22/2018</a:t>
+              <a:t>2/27/2018</a:t>
             </a:fld>
             <a:endParaRPr lang="en-US"/>
           </a:p>
@@ -14141,7 +14144,7 @@
           <a:p>
             <a:fld id="{81092551-4C2B-48F6-AD09-3AC1DE0B40C6}" type="slidenum">
               <a:rPr lang="en-US" smtClean="0"/>
-              <a:t>‹#›</a:t>
+              <a:t>‹N›</a:t>
             </a:fld>
             <a:endParaRPr lang="en-US"/>
           </a:p>
@@ -14623,7 +14626,7 @@
           <a:p>
             <a:fld id="{45611BB0-31EF-4520-B123-15D2DB479E08}" type="datetimeFigureOut">
               <a:rPr lang="en-US" smtClean="0"/>
-              <a:t>2/22/2018</a:t>
+              <a:t>2/27/2018</a:t>
             </a:fld>
             <a:endParaRPr lang="en-US"/>
           </a:p>
@@ -14665,7 +14668,7 @@
           <a:p>
             <a:fld id="{81092551-4C2B-48F6-AD09-3AC1DE0B40C6}" type="slidenum">
               <a:rPr lang="en-US" smtClean="0"/>
-              <a:t>‹#›</a:t>
+              <a:t>‹N›</a:t>
             </a:fld>
             <a:endParaRPr lang="en-US"/>
           </a:p>
@@ -14898,7 +14901,7 @@
           <a:p>
             <a:fld id="{45611BB0-31EF-4520-B123-15D2DB479E08}" type="datetimeFigureOut">
               <a:rPr lang="en-US" smtClean="0"/>
-              <a:t>2/22/2018</a:t>
+              <a:t>2/27/2018</a:t>
             </a:fld>
             <a:endParaRPr lang="en-US"/>
           </a:p>
@@ -14940,7 +14943,7 @@
           <a:p>
             <a:fld id="{81092551-4C2B-48F6-AD09-3AC1DE0B40C6}" type="slidenum">
               <a:rPr lang="en-US" smtClean="0"/>
-              <a:t>‹#›</a:t>
+              <a:t>‹N›</a:t>
             </a:fld>
             <a:endParaRPr lang="en-US"/>
           </a:p>
@@ -15060,7 +15063,7 @@
           <a:p>
             <a:fld id="{45611BB0-31EF-4520-B123-15D2DB479E08}" type="datetimeFigureOut">
               <a:rPr lang="en-US" smtClean="0"/>
-              <a:t>2/22/2018</a:t>
+              <a:t>2/27/2018</a:t>
             </a:fld>
             <a:endParaRPr lang="en-US"/>
           </a:p>
@@ -15102,7 +15105,7 @@
           <a:p>
             <a:fld id="{81092551-4C2B-48F6-AD09-3AC1DE0B40C6}" type="slidenum">
               <a:rPr lang="en-US" smtClean="0"/>
-              <a:t>‹#›</a:t>
+              <a:t>‹N›</a:t>
             </a:fld>
             <a:endParaRPr lang="en-US"/>
           </a:p>
@@ -15468,7 +15471,7 @@
           <a:p>
             <a:fld id="{45611BB0-31EF-4520-B123-15D2DB479E08}" type="datetimeFigureOut">
               <a:rPr lang="en-US" smtClean="0"/>
-              <a:t>2/22/2018</a:t>
+              <a:t>2/27/2018</a:t>
             </a:fld>
             <a:endParaRPr lang="en-US"/>
           </a:p>
@@ -15510,7 +15513,7 @@
           <a:p>
             <a:fld id="{81092551-4C2B-48F6-AD09-3AC1DE0B40C6}" type="slidenum">
               <a:rPr lang="en-US" smtClean="0"/>
-              <a:t>‹#›</a:t>
+              <a:t>‹N›</a:t>
             </a:fld>
             <a:endParaRPr lang="en-US"/>
           </a:p>
@@ -15895,7 +15898,7 @@
           <a:p>
             <a:fld id="{45611BB0-31EF-4520-B123-15D2DB479E08}" type="datetimeFigureOut">
               <a:rPr lang="en-US" smtClean="0"/>
-              <a:t>2/22/2018</a:t>
+              <a:t>2/27/2018</a:t>
             </a:fld>
             <a:endParaRPr lang="en-US"/>
           </a:p>
@@ -15937,7 +15940,7 @@
           <a:p>
             <a:fld id="{81092551-4C2B-48F6-AD09-3AC1DE0B40C6}" type="slidenum">
               <a:rPr lang="en-US" smtClean="0"/>
-              <a:t>‹#›</a:t>
+              <a:t>‹N›</a:t>
             </a:fld>
             <a:endParaRPr lang="en-US"/>
           </a:p>
@@ -16021,7 +16024,7 @@
           </a:pattFill>
           <a:extLst>
             <a:ext uri="{909E8E84-426E-40dd-AFC4-6F175D3DCCD1}">
-              <a14:hiddenFill xmlns="" xmlns:a14="http://schemas.microsoft.com/office/drawing/2010/main">
+              <a14:hiddenFill xmlns:a14="http://schemas.microsoft.com/office/drawing/2010/main" xmlns="">
                 <a:solidFill>
                   <a:srgbClr val="FFFFFF"/>
                 </a:solidFill>
@@ -16160,7 +16163,7 @@
           <a:p>
             <a:fld id="{45611BB0-31EF-4520-B123-15D2DB479E08}" type="datetimeFigureOut">
               <a:rPr lang="en-US" smtClean="0"/>
-              <a:t>2/22/2018</a:t>
+              <a:t>2/27/2018</a:t>
             </a:fld>
             <a:endParaRPr lang="en-US"/>
           </a:p>
@@ -16238,7 +16241,7 @@
           <a:p>
             <a:fld id="{81092551-4C2B-48F6-AD09-3AC1DE0B40C6}" type="slidenum">
               <a:rPr lang="en-US" smtClean="0"/>
-              <a:t>‹#›</a:t>
+              <a:t>‹N›</a:t>
             </a:fld>
             <a:endParaRPr lang="en-US"/>
           </a:p>
@@ -16642,7 +16645,7 @@
           </a:prstGeom>
           <a:extLst>
             <a:ext uri="{909E8E84-426E-40dd-AFC4-6F175D3DCCD1}">
-              <a14:hiddenFill xmlns:a14="http://schemas.microsoft.com/office/drawing/2010/main" xmlns="">
+              <a14:hiddenFill xmlns="" xmlns:a14="http://schemas.microsoft.com/office/drawing/2010/main">
                 <a:solidFill>
                   <a:srgbClr val="FFFFFF"/>
                 </a:solidFill>
@@ -16781,7 +16784,7 @@
           <a:p>
             <a:fld id="{45611BB0-31EF-4520-B123-15D2DB479E08}" type="datetimeFigureOut">
               <a:rPr lang="en-US" smtClean="0"/>
-              <a:t>2/22/2018</a:t>
+              <a:t>2/27/2018</a:t>
             </a:fld>
             <a:endParaRPr lang="en-US"/>
           </a:p>
@@ -16859,7 +16862,7 @@
           <a:p>
             <a:fld id="{81092551-4C2B-48F6-AD09-3AC1DE0B40C6}" type="slidenum">
               <a:rPr lang="en-US" smtClean="0"/>
-              <a:t>‹#›</a:t>
+              <a:t>‹N›</a:t>
             </a:fld>
             <a:endParaRPr lang="en-US"/>
           </a:p>
@@ -17274,6 +17277,65 @@
           </a:p>
         </p:txBody>
       </p:sp>
+      <p:sp>
+        <p:nvSpPr>
+          <p:cNvPr id="2" name="CasellaDiTesto 1"/>
+          <p:cNvSpPr txBox="1"/>
+          <p:nvPr/>
+        </p:nvSpPr>
+        <p:spPr>
+          <a:xfrm>
+            <a:off x="0" y="5934670"/>
+            <a:ext cx="6618342" cy="923330"/>
+          </a:xfrm>
+          <a:prstGeom prst="rect">
+            <a:avLst/>
+          </a:prstGeom>
+          <a:noFill/>
+        </p:spPr>
+        <p:txBody>
+          <a:bodyPr wrap="square" rtlCol="0">
+            <a:spAutoFit/>
+          </a:bodyPr>
+          <a:lstStyle/>
+          <a:p>
+            <a:r>
+              <a:rPr lang="it-IT" dirty="0" smtClean="0"/>
+              <a:t>Contatti:</a:t>
+            </a:r>
+          </a:p>
+          <a:p>
+            <a:r>
+              <a:rPr lang="it-IT" dirty="0" smtClean="0"/>
+              <a:t>Prof. Angelo Gargantini – </a:t>
+            </a:r>
+            <a:r>
+              <a:rPr lang="it-IT" dirty="0" smtClean="0">
+                <a:hlinkClick r:id="rId2"/>
+              </a:rPr>
+              <a:t>angelo.gargantini@unibg.it</a:t>
+            </a:r>
+            <a:endParaRPr lang="it-IT" dirty="0" smtClean="0"/>
+          </a:p>
+          <a:p>
+            <a:r>
+              <a:rPr lang="it-IT" dirty="0" smtClean="0"/>
+              <a:t>Dott.ssa Silvia Bonfanti – </a:t>
+            </a:r>
+            <a:r>
+              <a:rPr lang="it-IT" dirty="0" smtClean="0">
+                <a:hlinkClick r:id="rId3"/>
+              </a:rPr>
+              <a:t>silvia.bonfanti@unibg.it</a:t>
+            </a:r>
+            <a:r>
+              <a:rPr lang="it-IT" dirty="0" smtClean="0"/>
+              <a:t> </a:t>
+            </a:r>
+            <a:endParaRPr lang="it-IT" dirty="0"/>
+          </a:p>
+        </p:txBody>
+      </p:sp>
     </p:spTree>
     <p:extLst>
       <p:ext uri="{BB962C8B-B14F-4D97-AF65-F5344CB8AC3E}">
@@ -17927,15 +17989,7 @@
           <a:p>
             <a:r>
               <a:rPr lang="it-IT" dirty="0" smtClean="0"/>
-              <a:t>Inserite il nome del </a:t>
-            </a:r>
-            <a:r>
-              <a:rPr lang="it-IT" dirty="0" smtClean="0"/>
-              <a:t>file (es</a:t>
-            </a:r>
-            <a:r>
-              <a:rPr lang="it-IT" dirty="0" smtClean="0"/>
-              <a:t>: </a:t>
+              <a:t>Inserite il nome del file (es: </a:t>
             </a:r>
             <a:r>
               <a:rPr lang="it-IT" dirty="0" err="1" smtClean="0"/>
@@ -17966,11 +18020,7 @@
             </a:r>
             <a:r>
               <a:rPr lang="it-IT" dirty="0" smtClean="0"/>
-              <a:t>Mettete </a:t>
-            </a:r>
-            <a:r>
-              <a:rPr lang="it-IT" dirty="0" smtClean="0"/>
-              <a:t>il </a:t>
+              <a:t>Mettete il </a:t>
             </a:r>
             <a:r>
               <a:rPr lang="it-IT" dirty="0" err="1" smtClean="0"/>
@@ -18212,11 +18262,7 @@
             </a:pPr>
             <a:r>
               <a:rPr lang="it-IT" dirty="0" smtClean="0"/>
-              <a:t>Per convenzione il nome delle classi inizia con la lettera </a:t>
-            </a:r>
-            <a:r>
-              <a:rPr lang="it-IT" dirty="0" smtClean="0"/>
-              <a:t>maiuscola</a:t>
+              <a:t>Per convenzione il nome delle classi inizia con la lettera maiuscola</a:t>
             </a:r>
           </a:p>
           <a:p>
@@ -18720,13 +18766,8 @@
           <a:p>
             <a:r>
               <a:rPr lang="it-IT" dirty="0" smtClean="0"/>
-              <a:t>Cliccate con il tasto destro </a:t>
-            </a:r>
-            <a:r>
-              <a:rPr lang="it-IT" dirty="0" smtClean="0"/>
-              <a:t>sulla classe o sul progetto</a:t>
-            </a:r>
-            <a:endParaRPr lang="it-IT" dirty="0" smtClean="0"/>
+              <a:t>Cliccate con il tasto destro sulla classe o sul progetto</a:t>
+            </a:r>
           </a:p>
           <a:p>
             <a:pPr marL="0" indent="0">
@@ -18750,11 +18791,7 @@
             </a:r>
             <a:r>
               <a:rPr lang="it-IT" i="1" dirty="0" smtClean="0"/>
-              <a:t> -&gt; Java </a:t>
-            </a:r>
-            <a:r>
-              <a:rPr lang="it-IT" i="1" dirty="0" smtClean="0"/>
-              <a:t>Application</a:t>
+              <a:t> -&gt; Java Application</a:t>
             </a:r>
           </a:p>
           <a:p>
@@ -19420,15 +19457,7 @@
           <a:p>
             <a:r>
               <a:rPr lang="it-IT" dirty="0" smtClean="0"/>
-              <a:t>Dove </a:t>
-            </a:r>
-            <a:r>
-              <a:rPr lang="it-IT" dirty="0" smtClean="0"/>
-              <a:t>vengono salvati il progetto e i </a:t>
-            </a:r>
-            <a:r>
-              <a:rPr lang="it-IT" dirty="0" smtClean="0"/>
-              <a:t>file .java?</a:t>
+              <a:t>Dove vengono salvati il progetto e i file .java?</a:t>
             </a:r>
             <a:endParaRPr lang="en-US" dirty="0"/>
           </a:p>
@@ -19451,15 +19480,7 @@
           <a:p>
             <a:r>
               <a:rPr lang="it-IT" dirty="0" smtClean="0"/>
-              <a:t>Click con il tasto destro sulla </a:t>
-            </a:r>
-            <a:r>
-              <a:rPr lang="it-IT" dirty="0" smtClean="0"/>
-              <a:t>classe/progetto </a:t>
-            </a:r>
-            <a:r>
-              <a:rPr lang="it-IT" dirty="0" smtClean="0"/>
-              <a:t>di cui si vuole conoscere il percorso -&gt; </a:t>
+              <a:t>Click con il tasto destro sulla classe/progetto di cui si vuole conoscere il percorso -&gt; </a:t>
             </a:r>
             <a:r>
               <a:rPr lang="it-IT" dirty="0" err="1" smtClean="0"/>
@@ -25466,11 +25487,7 @@
           <a:p>
             <a:r>
               <a:rPr lang="it-IT" dirty="0" smtClean="0"/>
-              <a:t>Primo avvio (</a:t>
-            </a:r>
-            <a:r>
-              <a:rPr lang="it-IT" dirty="0" smtClean="0"/>
-              <a:t>1/3)</a:t>
+              <a:t>Primo avvio (1/3)</a:t>
             </a:r>
             <a:endParaRPr lang="en-US" dirty="0"/>
           </a:p>
@@ -25605,11 +25622,7 @@
           <a:p>
             <a:r>
               <a:rPr lang="it-IT" dirty="0" smtClean="0"/>
-              <a:t>Primo avvio (</a:t>
-            </a:r>
-            <a:r>
-              <a:rPr lang="it-IT" dirty="0" smtClean="0"/>
-              <a:t>2/3)</a:t>
+              <a:t>Primo avvio (2/3)</a:t>
             </a:r>
             <a:endParaRPr lang="en-US" dirty="0"/>
           </a:p>
